--- a/pub/Management/OSGStaffRetreat2011/Overview.pptx
+++ b/pub/Management/OSGStaffRetreat2011/Overview.pptx
@@ -664,7 +664,7 @@
         <p:nvSpPr>
           <p:cNvPr id="97284" name="Rectangle 4"/>
           <p:cNvSpPr>
-            <a:spLocks noRot="1" noChangeArrowheads="1" noTextEdit="1"/>
+            <a:spLocks noGrp="1" noRot="1" noChangeAspect="1" noChangeArrowheads="1" noTextEdit="1"/>
           </p:cNvSpPr>
           <p:nvPr>
             <p:ph type="sldImg" idx="2"/>
@@ -4212,7 +4212,12 @@
             <p:ph idx="1"/>
           </p:nvPr>
         </p:nvSpPr>
-        <p:spPr/>
+        <p:spPr>
+          <a:xfrm>
+            <a:off x="774700" y="1333500"/>
+            <a:ext cx="7772400" cy="5105400"/>
+          </a:xfrm>
+        </p:spPr>
         <p:txBody>
           <a:bodyPr/>
           <a:lstStyle/>
@@ -4261,23 +4266,7 @@
             </a:r>
             <a:r>
               <a:rPr lang="en-US" sz="2000" dirty="0" smtClean="0"/>
-              <a:t>Action on the s/w – keep up, get back “into </a:t>
-            </a:r>
-            <a:r>
-              <a:rPr lang="en-US" sz="2000" dirty="0" err="1" smtClean="0"/>
-              <a:t>th</a:t>
-            </a:r>
-            <a:r>
-              <a:rPr lang="en-US" sz="2000" dirty="0" smtClean="0"/>
-              <a:t> </a:t>
-            </a:r>
-            <a:r>
-              <a:rPr lang="en-US" sz="2000" dirty="0" err="1" smtClean="0"/>
-              <a:t>elead</a:t>
-            </a:r>
-            <a:r>
-              <a:rPr lang="en-US" sz="2000" dirty="0" smtClean="0"/>
-              <a:t>”</a:t>
+              <a:t>Action on the s/w – keep up, get back “into the lead”</a:t>
             </a:r>
           </a:p>
           <a:p>
@@ -4318,6 +4307,35 @@
               <a:rPr lang="en-US" sz="2000" dirty="0" smtClean="0"/>
               <a:t>Appropriate peering with XSEDE</a:t>
             </a:r>
+          </a:p>
+          <a:p>
+            <a:pPr marL="0" indent="0">
+              <a:buNone/>
+            </a:pPr>
+            <a:endParaRPr lang="en-US" sz="2000" dirty="0"/>
+          </a:p>
+          <a:p>
+            <a:pPr marL="0" indent="0">
+              <a:buNone/>
+            </a:pPr>
+            <a:r>
+              <a:rPr lang="en-US" sz="2000" dirty="0" smtClean="0"/>
+              <a:t>Understand that there have been lots of other activities besides this FY12 planning one that have taken attention and effort.</a:t>
+            </a:r>
+          </a:p>
+          <a:p>
+            <a:pPr marL="0" indent="0">
+              <a:buNone/>
+            </a:pPr>
+            <a:r>
+              <a:rPr lang="en-US" sz="2000" dirty="0" smtClean="0"/>
+              <a:t>I expect this week to be communal discussion,  help towards common understanding of the what we want to get done in the next 12 months – as far as we </a:t>
+            </a:r>
+            <a:r>
+              <a:rPr lang="en-US" sz="2000" smtClean="0"/>
+              <a:t>know it now.</a:t>
+            </a:r>
+            <a:endParaRPr lang="en-US" sz="2000" dirty="0" smtClean="0"/>
           </a:p>
         </p:txBody>
       </p:sp>
